--- a/Document/프로젝트 기획서_Team4K_v.0.1.6.pptx
+++ b/Document/프로젝트 기획서_Team4K_v.0.1.6.pptx
@@ -1199,7 +1199,7 @@
   <p:cSld>
     <p:spTree>
       <p:nvGrpSpPr>
-        <p:cNvPr id="360" name="Shape 360"/>
+        <p:cNvPr id="359" name="Shape 359"/>
         <p:cNvGrpSpPr/>
         <p:nvPr/>
       </p:nvGrpSpPr>
@@ -1213,7 +1213,7 @@
       </p:grpSpPr>
       <p:sp>
         <p:nvSpPr>
-          <p:cNvPr id="361" name="Google Shape;361;g2e7fe5608a5_8_0:notes"/>
+          <p:cNvPr id="360" name="Google Shape;360;g2e7fe5608a5_8_0:notes"/>
           <p:cNvSpPr/>
           <p:nvPr>
             <p:ph idx="2" type="sldImg"/>
@@ -1248,7 +1248,7 @@
       </p:sp>
       <p:sp>
         <p:nvSpPr>
-          <p:cNvPr id="362" name="Google Shape;362;g2e7fe5608a5_8_0:notes"/>
+          <p:cNvPr id="361" name="Google Shape;361;g2e7fe5608a5_8_0:notes"/>
           <p:cNvSpPr txBox="1"/>
           <p:nvPr>
             <p:ph idx="1" type="body"/>
@@ -11832,80 +11832,6 @@
           </a:p>
         </p:txBody>
       </p:sp>
-      <p:sp>
-        <p:nvSpPr>
-          <p:cNvPr id="359" name="Google Shape;359;p25"/>
-          <p:cNvSpPr txBox="1"/>
-          <p:nvPr/>
-        </p:nvSpPr>
-        <p:spPr>
-          <a:xfrm>
-            <a:off x="1803400" y="3209100"/>
-            <a:ext cx="1361700" cy="343200"/>
-          </a:xfrm>
-          <a:prstGeom prst="rect">
-            <a:avLst/>
-          </a:prstGeom>
-          <a:noFill/>
-          <a:ln>
-            <a:noFill/>
-          </a:ln>
-        </p:spPr>
-        <p:txBody>
-          <a:bodyPr anchorCtr="0" anchor="t" bIns="91425" lIns="91425" spcFirstLastPara="1" rIns="91425" wrap="square" tIns="91425">
-            <a:noAutofit/>
-          </a:bodyPr>
-          <a:lstStyle/>
-          <a:p>
-            <a:pPr indent="0" lvl="0" marL="0" rtl="0" algn="l">
-              <a:spcBef>
-                <a:spcPts val="0"/>
-              </a:spcBef>
-              <a:spcAft>
-                <a:spcPts val="0"/>
-              </a:spcAft>
-              <a:buNone/>
-            </a:pPr>
-            <a:r>
-              <a:rPr b="1" lang="ko" sz="600">
-                <a:solidFill>
-                  <a:schemeClr val="dk2"/>
-                </a:solidFill>
-              </a:rPr>
-              <a:t>수정이랑 예정이는 누군가요? 깔깔</a:t>
-            </a:r>
-            <a:endParaRPr b="1" sz="600">
-              <a:solidFill>
-                <a:schemeClr val="dk2"/>
-              </a:solidFill>
-            </a:endParaRPr>
-          </a:p>
-          <a:p>
-            <a:pPr indent="0" lvl="0" marL="0" rtl="0" algn="l">
-              <a:spcBef>
-                <a:spcPts val="0"/>
-              </a:spcBef>
-              <a:spcAft>
-                <a:spcPts val="0"/>
-              </a:spcAft>
-              <a:buNone/>
-            </a:pPr>
-            <a:r>
-              <a:rPr b="1" lang="ko" sz="600">
-                <a:solidFill>
-                  <a:schemeClr val="dk2"/>
-                </a:solidFill>
-              </a:rPr>
-              <a:t>이건 좀;;</a:t>
-            </a:r>
-            <a:endParaRPr b="1" sz="600">
-              <a:solidFill>
-                <a:schemeClr val="dk2"/>
-              </a:solidFill>
-            </a:endParaRPr>
-          </a:p>
-        </p:txBody>
-      </p:sp>
     </p:spTree>
   </p:cSld>
   <p:clrMapOvr>
@@ -11919,7 +11845,7 @@
   <p:cSld>
     <p:spTree>
       <p:nvGrpSpPr>
-        <p:cNvPr id="363" name="Shape 363"/>
+        <p:cNvPr id="362" name="Shape 362"/>
         <p:cNvGrpSpPr/>
         <p:nvPr/>
       </p:nvGrpSpPr>
@@ -11933,7 +11859,7 @@
       </p:grpSpPr>
       <p:cxnSp>
         <p:nvCxnSpPr>
-          <p:cNvPr id="364" name="Google Shape;364;p26"/>
+          <p:cNvPr id="363" name="Google Shape;363;p26"/>
           <p:cNvCxnSpPr/>
           <p:nvPr/>
         </p:nvCxnSpPr>
@@ -11959,7 +11885,7 @@
       </p:cxnSp>
       <p:cxnSp>
         <p:nvCxnSpPr>
-          <p:cNvPr id="365" name="Google Shape;365;p26"/>
+          <p:cNvPr id="364" name="Google Shape;364;p26"/>
           <p:cNvCxnSpPr/>
           <p:nvPr/>
         </p:nvCxnSpPr>
@@ -11985,7 +11911,7 @@
       </p:cxnSp>
       <p:cxnSp>
         <p:nvCxnSpPr>
-          <p:cNvPr id="366" name="Google Shape;366;p26"/>
+          <p:cNvPr id="365" name="Google Shape;365;p26"/>
           <p:cNvCxnSpPr/>
           <p:nvPr/>
         </p:nvCxnSpPr>
@@ -12011,7 +11937,7 @@
       </p:cxnSp>
       <p:cxnSp>
         <p:nvCxnSpPr>
-          <p:cNvPr id="367" name="Google Shape;367;p26"/>
+          <p:cNvPr id="366" name="Google Shape;366;p26"/>
           <p:cNvCxnSpPr/>
           <p:nvPr/>
         </p:nvCxnSpPr>
@@ -12037,7 +11963,7 @@
       </p:cxnSp>
       <p:cxnSp>
         <p:nvCxnSpPr>
-          <p:cNvPr id="368" name="Google Shape;368;p26"/>
+          <p:cNvPr id="367" name="Google Shape;367;p26"/>
           <p:cNvCxnSpPr/>
           <p:nvPr/>
         </p:nvCxnSpPr>
@@ -12063,7 +11989,7 @@
       </p:cxnSp>
       <p:cxnSp>
         <p:nvCxnSpPr>
-          <p:cNvPr id="369" name="Google Shape;369;p26"/>
+          <p:cNvPr id="368" name="Google Shape;368;p26"/>
           <p:cNvCxnSpPr/>
           <p:nvPr/>
         </p:nvCxnSpPr>
@@ -12089,7 +12015,7 @@
       </p:cxnSp>
       <p:sp>
         <p:nvSpPr>
-          <p:cNvPr id="370" name="Google Shape;370;p26"/>
+          <p:cNvPr id="369" name="Google Shape;369;p26"/>
           <p:cNvSpPr/>
           <p:nvPr/>
         </p:nvSpPr>
@@ -12128,6 +12054,46 @@
             <a:r>
               <a:t/>
             </a:r>
+            <a:endParaRPr/>
+          </a:p>
+        </p:txBody>
+      </p:sp>
+      <p:sp>
+        <p:nvSpPr>
+          <p:cNvPr id="370" name="Google Shape;370;p26"/>
+          <p:cNvSpPr txBox="1"/>
+          <p:nvPr>
+            <p:ph idx="12" type="sldNum"/>
+          </p:nvPr>
+        </p:nvSpPr>
+        <p:spPr>
+          <a:xfrm>
+            <a:off x="8493808" y="182542"/>
+            <a:ext cx="548700" cy="393600"/>
+          </a:xfrm>
+          <a:prstGeom prst="rect">
+            <a:avLst/>
+          </a:prstGeom>
+        </p:spPr>
+        <p:txBody>
+          <a:bodyPr anchorCtr="0" anchor="ctr" bIns="91425" lIns="91425" spcFirstLastPara="1" rIns="91425" wrap="square" tIns="91425">
+            <a:normAutofit/>
+          </a:bodyPr>
+          <a:lstStyle/>
+          <a:p>
+            <a:pPr indent="0" lvl="0" marL="0" rtl="0" algn="ctr">
+              <a:spcBef>
+                <a:spcPts val="0"/>
+              </a:spcBef>
+              <a:spcAft>
+                <a:spcPts val="0"/>
+              </a:spcAft>
+              <a:buNone/>
+            </a:pPr>
+            <a:fld id="{00000000-1234-1234-1234-123412341234}" type="slidenum">
+              <a:rPr lang="ko"/>
+              <a:t>‹#›</a:t>
+            </a:fld>
             <a:endParaRPr/>
           </a:p>
         </p:txBody>
@@ -12136,39 +12102,79 @@
         <p:nvSpPr>
           <p:cNvPr id="371" name="Google Shape;371;p26"/>
           <p:cNvSpPr txBox="1"/>
-          <p:nvPr>
-            <p:ph idx="12" type="sldNum"/>
-          </p:nvPr>
+          <p:nvPr/>
         </p:nvSpPr>
         <p:spPr>
           <a:xfrm>
-            <a:off x="8493808" y="182542"/>
-            <a:ext cx="548700" cy="393600"/>
+            <a:off x="866825" y="1634925"/>
+            <a:ext cx="7406400" cy="1459500"/>
           </a:xfrm>
           <a:prstGeom prst="rect">
             <a:avLst/>
           </a:prstGeom>
+          <a:noFill/>
+          <a:ln>
+            <a:noFill/>
+          </a:ln>
         </p:spPr>
         <p:txBody>
           <a:bodyPr anchorCtr="0" anchor="ctr" bIns="91425" lIns="91425" spcFirstLastPara="1" rIns="91425" wrap="square" tIns="91425">
-            <a:normAutofit/>
+            <a:noAutofit/>
           </a:bodyPr>
           <a:lstStyle/>
           <a:p>
             <a:pPr indent="0" lvl="0" marL="0" rtl="0" algn="ctr">
-              <a:spcBef>
-                <a:spcPts val="0"/>
-              </a:spcBef>
-              <a:spcAft>
-                <a:spcPts val="0"/>
-              </a:spcAft>
-              <a:buNone/>
-            </a:pPr>
-            <a:fld id="{00000000-1234-1234-1234-123412341234}" type="slidenum">
-              <a:rPr lang="ko"/>
-              <a:t>‹#›</a:t>
-            </a:fld>
-            <a:endParaRPr/>
+              <a:lnSpc>
+                <a:spcPct val="80000"/>
+              </a:lnSpc>
+              <a:spcBef>
+                <a:spcPts val="0"/>
+              </a:spcBef>
+              <a:spcAft>
+                <a:spcPts val="0"/>
+              </a:spcAft>
+              <a:buNone/>
+            </a:pPr>
+            <a:r>
+              <a:rPr b="1" lang="ko" sz="4800">
+                <a:solidFill>
+                  <a:schemeClr val="accent1"/>
+                </a:solidFill>
+              </a:rPr>
+              <a:t>THANK</a:t>
+            </a:r>
+            <a:endParaRPr b="1" sz="4800">
+              <a:solidFill>
+                <a:schemeClr val="accent1"/>
+              </a:solidFill>
+            </a:endParaRPr>
+          </a:p>
+          <a:p>
+            <a:pPr indent="0" lvl="0" marL="0" rtl="0" algn="ctr">
+              <a:lnSpc>
+                <a:spcPct val="80000"/>
+              </a:lnSpc>
+              <a:spcBef>
+                <a:spcPts val="0"/>
+              </a:spcBef>
+              <a:spcAft>
+                <a:spcPts val="0"/>
+              </a:spcAft>
+              <a:buNone/>
+            </a:pPr>
+            <a:r>
+              <a:rPr b="1" lang="ko" sz="4800">
+                <a:solidFill>
+                  <a:schemeClr val="accent1"/>
+                </a:solidFill>
+              </a:rPr>
+              <a:t>YOU</a:t>
+            </a:r>
+            <a:endParaRPr b="1" sz="4800">
+              <a:solidFill>
+                <a:schemeClr val="accent1"/>
+              </a:solidFill>
+            </a:endParaRPr>
           </a:p>
         </p:txBody>
       </p:sp>
@@ -12180,8 +12186,8 @@
         </p:nvSpPr>
         <p:spPr>
           <a:xfrm>
-            <a:off x="866825" y="1634925"/>
-            <a:ext cx="7406400" cy="1459500"/>
+            <a:off x="3445325" y="1444650"/>
+            <a:ext cx="2249400" cy="349200"/>
           </a:xfrm>
           <a:prstGeom prst="rect">
             <a:avLst/>
@@ -12192,61 +12198,31 @@
           </a:ln>
         </p:spPr>
         <p:txBody>
-          <a:bodyPr anchorCtr="0" anchor="ctr" bIns="91425" lIns="91425" spcFirstLastPara="1" rIns="91425" wrap="square" tIns="91425">
+          <a:bodyPr anchorCtr="0" anchor="t" bIns="91425" lIns="91425" spcFirstLastPara="1" rIns="91425" wrap="square" tIns="91425">
             <a:noAutofit/>
           </a:bodyPr>
           <a:lstStyle/>
           <a:p>
             <a:pPr indent="0" lvl="0" marL="0" rtl="0" algn="ctr">
-              <a:lnSpc>
-                <a:spcPct val="80000"/>
-              </a:lnSpc>
-              <a:spcBef>
-                <a:spcPts val="0"/>
-              </a:spcBef>
-              <a:spcAft>
-                <a:spcPts val="0"/>
-              </a:spcAft>
-              <a:buNone/>
-            </a:pPr>
-            <a:r>
-              <a:rPr b="1" lang="ko" sz="4800">
-                <a:solidFill>
-                  <a:schemeClr val="accent1"/>
-                </a:solidFill>
-              </a:rPr>
-              <a:t>THANK</a:t>
-            </a:r>
-            <a:endParaRPr b="1" sz="4800">
+              <a:spcBef>
+                <a:spcPts val="0"/>
+              </a:spcBef>
+              <a:spcAft>
+                <a:spcPts val="0"/>
+              </a:spcAft>
+              <a:buNone/>
+            </a:pPr>
+            <a:r>
+              <a:rPr b="1" lang="ko" sz="1200">
+                <a:solidFill>
+                  <a:srgbClr val="999999"/>
+                </a:solidFill>
+              </a:rPr>
+              <a:t>감사합니다</a:t>
+            </a:r>
+            <a:endParaRPr b="1" sz="1200">
               <a:solidFill>
-                <a:schemeClr val="accent1"/>
-              </a:solidFill>
-            </a:endParaRPr>
-          </a:p>
-          <a:p>
-            <a:pPr indent="0" lvl="0" marL="0" rtl="0" algn="ctr">
-              <a:lnSpc>
-                <a:spcPct val="80000"/>
-              </a:lnSpc>
-              <a:spcBef>
-                <a:spcPts val="0"/>
-              </a:spcBef>
-              <a:spcAft>
-                <a:spcPts val="0"/>
-              </a:spcAft>
-              <a:buNone/>
-            </a:pPr>
-            <a:r>
-              <a:rPr b="1" lang="ko" sz="4800">
-                <a:solidFill>
-                  <a:schemeClr val="accent1"/>
-                </a:solidFill>
-              </a:rPr>
-              <a:t>YOU</a:t>
-            </a:r>
-            <a:endParaRPr b="1" sz="4800">
-              <a:solidFill>
-                <a:schemeClr val="accent1"/>
+                <a:srgbClr val="999999"/>
               </a:solidFill>
             </a:endParaRPr>
           </a:p>
@@ -12260,8 +12236,8 @@
         </p:nvSpPr>
         <p:spPr>
           <a:xfrm>
-            <a:off x="3445325" y="1444650"/>
-            <a:ext cx="2249400" cy="349200"/>
+            <a:off x="3231600" y="4094350"/>
+            <a:ext cx="2680800" cy="723600"/>
           </a:xfrm>
           <a:prstGeom prst="rect">
             <a:avLst/>
@@ -12272,12 +12248,15 @@
           </a:ln>
         </p:spPr>
         <p:txBody>
-          <a:bodyPr anchorCtr="0" anchor="t" bIns="91425" lIns="91425" spcFirstLastPara="1" rIns="91425" wrap="square" tIns="91425">
+          <a:bodyPr anchorCtr="0" anchor="ctr" bIns="91425" lIns="91425" spcFirstLastPara="1" rIns="91425" wrap="square" tIns="91425">
             <a:noAutofit/>
           </a:bodyPr>
           <a:lstStyle/>
           <a:p>
             <a:pPr indent="0" lvl="0" marL="0" rtl="0" algn="ctr">
+              <a:lnSpc>
+                <a:spcPct val="115000"/>
+              </a:lnSpc>
               <a:spcBef>
                 <a:spcPts val="0"/>
               </a:spcBef>
@@ -12289,14 +12268,41 @@
             <a:r>
               <a:rPr b="1" lang="ko" sz="1200">
                 <a:solidFill>
-                  <a:srgbClr val="999999"/>
-                </a:solidFill>
-              </a:rPr>
-              <a:t>감사합니다</a:t>
+                  <a:srgbClr val="6D9EEB"/>
+                </a:solidFill>
+              </a:rPr>
+              <a:t>Team4K</a:t>
             </a:r>
             <a:endParaRPr b="1" sz="1200">
               <a:solidFill>
-                <a:srgbClr val="999999"/>
+                <a:srgbClr val="6D9EEB"/>
+              </a:solidFill>
+            </a:endParaRPr>
+          </a:p>
+          <a:p>
+            <a:pPr indent="0" lvl="0" marL="0" rtl="0" algn="ctr">
+              <a:lnSpc>
+                <a:spcPct val="115000"/>
+              </a:lnSpc>
+              <a:spcBef>
+                <a:spcPts val="0"/>
+              </a:spcBef>
+              <a:spcAft>
+                <a:spcPts val="0"/>
+              </a:spcAft>
+              <a:buNone/>
+            </a:pPr>
+            <a:r>
+              <a:rPr lang="ko" sz="1200">
+                <a:solidFill>
+                  <a:srgbClr val="666666"/>
+                </a:solidFill>
+              </a:rPr>
+              <a:t>김명진 김성훈 김민준 김유나</a:t>
+            </a:r>
+            <a:endParaRPr sz="1200">
+              <a:solidFill>
+                <a:srgbClr val="666666"/>
               </a:solidFill>
             </a:endParaRPr>
           </a:p>
@@ -12305,86 +12311,6 @@
       <p:sp>
         <p:nvSpPr>
           <p:cNvPr id="374" name="Google Shape;374;p26"/>
-          <p:cNvSpPr txBox="1"/>
-          <p:nvPr/>
-        </p:nvSpPr>
-        <p:spPr>
-          <a:xfrm>
-            <a:off x="3231600" y="4094350"/>
-            <a:ext cx="2680800" cy="723600"/>
-          </a:xfrm>
-          <a:prstGeom prst="rect">
-            <a:avLst/>
-          </a:prstGeom>
-          <a:noFill/>
-          <a:ln>
-            <a:noFill/>
-          </a:ln>
-        </p:spPr>
-        <p:txBody>
-          <a:bodyPr anchorCtr="0" anchor="ctr" bIns="91425" lIns="91425" spcFirstLastPara="1" rIns="91425" wrap="square" tIns="91425">
-            <a:noAutofit/>
-          </a:bodyPr>
-          <a:lstStyle/>
-          <a:p>
-            <a:pPr indent="0" lvl="0" marL="0" rtl="0" algn="ctr">
-              <a:lnSpc>
-                <a:spcPct val="115000"/>
-              </a:lnSpc>
-              <a:spcBef>
-                <a:spcPts val="0"/>
-              </a:spcBef>
-              <a:spcAft>
-                <a:spcPts val="0"/>
-              </a:spcAft>
-              <a:buNone/>
-            </a:pPr>
-            <a:r>
-              <a:rPr b="1" lang="ko" sz="1200">
-                <a:solidFill>
-                  <a:srgbClr val="6D9EEB"/>
-                </a:solidFill>
-              </a:rPr>
-              <a:t>Team4K</a:t>
-            </a:r>
-            <a:endParaRPr b="1" sz="1200">
-              <a:solidFill>
-                <a:srgbClr val="6D9EEB"/>
-              </a:solidFill>
-            </a:endParaRPr>
-          </a:p>
-          <a:p>
-            <a:pPr indent="0" lvl="0" marL="0" rtl="0" algn="ctr">
-              <a:lnSpc>
-                <a:spcPct val="115000"/>
-              </a:lnSpc>
-              <a:spcBef>
-                <a:spcPts val="0"/>
-              </a:spcBef>
-              <a:spcAft>
-                <a:spcPts val="0"/>
-              </a:spcAft>
-              <a:buNone/>
-            </a:pPr>
-            <a:r>
-              <a:rPr lang="ko" sz="1200">
-                <a:solidFill>
-                  <a:srgbClr val="666666"/>
-                </a:solidFill>
-              </a:rPr>
-              <a:t>김명진 김성훈 김민준 김유나</a:t>
-            </a:r>
-            <a:endParaRPr sz="1200">
-              <a:solidFill>
-                <a:srgbClr val="666666"/>
-              </a:solidFill>
-            </a:endParaRPr>
-          </a:p>
-        </p:txBody>
-      </p:sp>
-      <p:sp>
-        <p:nvSpPr>
-          <p:cNvPr id="375" name="Google Shape;375;p26"/>
           <p:cNvSpPr txBox="1"/>
           <p:nvPr/>
         </p:nvSpPr>
@@ -12790,7 +12716,7 @@
             <a:tbl>
               <a:tblPr>
                 <a:noFill/>
-                <a:tableStyleId>{86C50A5B-B8B9-455C-BA0B-344C161A756C}</a:tableStyleId>
+                <a:tableStyleId>{C7B15D6D-E8A5-4DF5-9746-C83AF1079DD3}</a:tableStyleId>
               </a:tblPr>
               <a:tblGrid>
                 <a:gridCol w="638350"/>
@@ -22580,6 +22506,285 @@
 </file>
 
 <file path=ppt/theme/theme1.xml><?xml version="1.0" encoding="utf-8"?>
+<a:theme xmlns:a="http://schemas.openxmlformats.org/drawingml/2006/main" xmlns:r="http://schemas.openxmlformats.org/officeDocument/2006/relationships" name="Simple Light">
+  <a:themeElements>
+    <a:clrScheme name="Simple Light">
+      <a:dk1>
+        <a:srgbClr val="000000"/>
+      </a:dk1>
+      <a:lt1>
+        <a:srgbClr val="FFFFFF"/>
+      </a:lt1>
+      <a:dk2>
+        <a:srgbClr val="595959"/>
+      </a:dk2>
+      <a:lt2>
+        <a:srgbClr val="EEEEEE"/>
+      </a:lt2>
+      <a:accent1>
+        <a:srgbClr val="4285F4"/>
+      </a:accent1>
+      <a:accent2>
+        <a:srgbClr val="212121"/>
+      </a:accent2>
+      <a:accent3>
+        <a:srgbClr val="78909C"/>
+      </a:accent3>
+      <a:accent4>
+        <a:srgbClr val="FFAB40"/>
+      </a:accent4>
+      <a:accent5>
+        <a:srgbClr val="0097A7"/>
+      </a:accent5>
+      <a:accent6>
+        <a:srgbClr val="EEFF41"/>
+      </a:accent6>
+      <a:hlink>
+        <a:srgbClr val="0097A7"/>
+      </a:hlink>
+      <a:folHlink>
+        <a:srgbClr val="0097A7"/>
+      </a:folHlink>
+    </a:clrScheme>
+    <a:fontScheme name="Office">
+      <a:majorFont>
+        <a:latin typeface="Arial"/>
+        <a:ea typeface=""/>
+        <a:cs typeface=""/>
+        <a:font script="Jpan" typeface="ＭＳ Ｐゴシック"/>
+        <a:font script="Hang" typeface="맑은 고딕"/>
+        <a:font script="Hans" typeface="宋体"/>
+        <a:font script="Hant" typeface="新細明體"/>
+        <a:font script="Arab" typeface="Times New Roman"/>
+        <a:font script="Hebr" typeface="Times New Roman"/>
+        <a:font script="Thai" typeface="Angsana New"/>
+        <a:font script="Ethi" typeface="Nyala"/>
+        <a:font script="Beng" typeface="Vrinda"/>
+        <a:font script="Gujr" typeface="Shruti"/>
+        <a:font script="Khmr" typeface="MoolBoran"/>
+        <a:font script="Knda" typeface="Tunga"/>
+        <a:font script="Guru" typeface="Raavi"/>
+        <a:font script="Cans" typeface="Euphemia"/>
+        <a:font script="Cher" typeface="Plantagenet Cherokee"/>
+        <a:font script="Yiii" typeface="Microsoft Yi Baiti"/>
+        <a:font script="Tibt" typeface="Microsoft Himalaya"/>
+        <a:font script="Thaa" typeface="MV Boli"/>
+        <a:font script="Deva" typeface="Mangal"/>
+        <a:font script="Telu" typeface="Gautami"/>
+        <a:font script="Taml" typeface="Latha"/>
+        <a:font script="Syrc" typeface="Estrangelo Edessa"/>
+        <a:font script="Orya" typeface="Kalinga"/>
+        <a:font script="Mlym" typeface="Kartika"/>
+        <a:font script="Laoo" typeface="DokChampa"/>
+        <a:font script="Sinh" typeface="Iskoola Pota"/>
+        <a:font script="Mong" typeface="Mongolian Baiti"/>
+        <a:font script="Viet" typeface="Times New Roman"/>
+        <a:font script="Uigh" typeface="Microsoft Uighur"/>
+        <a:font script="Geor" typeface="Sylfaen"/>
+      </a:majorFont>
+      <a:minorFont>
+        <a:latin typeface="Arial"/>
+        <a:ea typeface=""/>
+        <a:cs typeface=""/>
+        <a:font script="Jpan" typeface="ＭＳ Ｐゴシック"/>
+        <a:font script="Hang" typeface="맑은 고딕"/>
+        <a:font script="Hans" typeface="宋体"/>
+        <a:font script="Hant" typeface="新細明體"/>
+        <a:font script="Arab" typeface="Arial"/>
+        <a:font script="Hebr" typeface="Arial"/>
+        <a:font script="Thai" typeface="Cordia New"/>
+        <a:font script="Ethi" typeface="Nyala"/>
+        <a:font script="Beng" typeface="Vrinda"/>
+        <a:font script="Gujr" typeface="Shruti"/>
+        <a:font script="Khmr" typeface="DaunPenh"/>
+        <a:font script="Knda" typeface="Tunga"/>
+        <a:font script="Guru" typeface="Raavi"/>
+        <a:font script="Cans" typeface="Euphemia"/>
+        <a:font script="Cher" typeface="Plantagenet Cherokee"/>
+        <a:font script="Yiii" typeface="Microsoft Yi Baiti"/>
+        <a:font script="Tibt" typeface="Microsoft Himalaya"/>
+        <a:font script="Thaa" typeface="MV Boli"/>
+        <a:font script="Deva" typeface="Mangal"/>
+        <a:font script="Telu" typeface="Gautami"/>
+        <a:font script="Taml" typeface="Latha"/>
+        <a:font script="Syrc" typeface="Estrangelo Edessa"/>
+        <a:font script="Orya" typeface="Kalinga"/>
+        <a:font script="Mlym" typeface="Kartika"/>
+        <a:font script="Laoo" typeface="DokChampa"/>
+        <a:font script="Sinh" typeface="Iskoola Pota"/>
+        <a:font script="Mong" typeface="Mongolian Baiti"/>
+        <a:font script="Viet" typeface="Arial"/>
+        <a:font script="Uigh" typeface="Microsoft Uighur"/>
+        <a:font script="Geor" typeface="Sylfaen"/>
+      </a:minorFont>
+    </a:fontScheme>
+    <a:fmtScheme name="Office">
+      <a:fillStyleLst>
+        <a:solidFill>
+          <a:schemeClr val="phClr"/>
+        </a:solidFill>
+        <a:gradFill rotWithShape="1">
+          <a:gsLst>
+            <a:gs pos="0">
+              <a:schemeClr val="phClr">
+                <a:tint val="50000"/>
+                <a:satMod val="300000"/>
+              </a:schemeClr>
+            </a:gs>
+            <a:gs pos="35000">
+              <a:schemeClr val="phClr">
+                <a:tint val="37000"/>
+                <a:satMod val="300000"/>
+              </a:schemeClr>
+            </a:gs>
+            <a:gs pos="100000">
+              <a:schemeClr val="phClr">
+                <a:tint val="15000"/>
+                <a:satMod val="350000"/>
+              </a:schemeClr>
+            </a:gs>
+          </a:gsLst>
+          <a:lin ang="16200000" scaled="1"/>
+        </a:gradFill>
+        <a:gradFill rotWithShape="1">
+          <a:gsLst>
+            <a:gs pos="0">
+              <a:schemeClr val="phClr">
+                <a:tint val="100000"/>
+                <a:shade val="100000"/>
+                <a:satMod val="130000"/>
+              </a:schemeClr>
+            </a:gs>
+            <a:gs pos="100000">
+              <a:schemeClr val="phClr">
+                <a:tint val="50000"/>
+                <a:shade val="100000"/>
+                <a:satMod val="350000"/>
+              </a:schemeClr>
+            </a:gs>
+          </a:gsLst>
+          <a:lin ang="16200000" scaled="0"/>
+        </a:gradFill>
+      </a:fillStyleLst>
+      <a:lnStyleLst>
+        <a:ln w="9525" cap="flat" cmpd="sng" algn="ctr">
+          <a:solidFill>
+            <a:schemeClr val="phClr">
+              <a:shade val="95000"/>
+              <a:satMod val="105000"/>
+            </a:schemeClr>
+          </a:solidFill>
+          <a:prstDash val="solid"/>
+        </a:ln>
+        <a:ln w="25400" cap="flat" cmpd="sng" algn="ctr">
+          <a:solidFill>
+            <a:schemeClr val="phClr"/>
+          </a:solidFill>
+          <a:prstDash val="solid"/>
+        </a:ln>
+        <a:ln w="38100" cap="flat" cmpd="sng" algn="ctr">
+          <a:solidFill>
+            <a:schemeClr val="phClr"/>
+          </a:solidFill>
+          <a:prstDash val="solid"/>
+        </a:ln>
+      </a:lnStyleLst>
+      <a:effectStyleLst>
+        <a:effectStyle>
+          <a:effectLst>
+            <a:outerShdw blurRad="40000" dist="20000" dir="5400000" rotWithShape="0">
+              <a:srgbClr val="000000">
+                <a:alpha val="38000"/>
+              </a:srgbClr>
+            </a:outerShdw>
+          </a:effectLst>
+        </a:effectStyle>
+        <a:effectStyle>
+          <a:effectLst>
+            <a:outerShdw blurRad="40000" dist="23000" dir="5400000" rotWithShape="0">
+              <a:srgbClr val="000000">
+                <a:alpha val="35000"/>
+              </a:srgbClr>
+            </a:outerShdw>
+          </a:effectLst>
+        </a:effectStyle>
+        <a:effectStyle>
+          <a:effectLst>
+            <a:outerShdw blurRad="40000" dist="23000" dir="5400000" rotWithShape="0">
+              <a:srgbClr val="000000">
+                <a:alpha val="35000"/>
+              </a:srgbClr>
+            </a:outerShdw>
+          </a:effectLst>
+          <a:scene3d>
+            <a:camera prst="orthographicFront">
+              <a:rot lat="0" lon="0" rev="0"/>
+            </a:camera>
+            <a:lightRig rig="threePt" dir="t">
+              <a:rot lat="0" lon="0" rev="1200000"/>
+            </a:lightRig>
+          </a:scene3d>
+          <a:sp3d>
+            <a:bevelT w="63500" h="25400"/>
+          </a:sp3d>
+        </a:effectStyle>
+      </a:effectStyleLst>
+      <a:bgFillStyleLst>
+        <a:solidFill>
+          <a:schemeClr val="phClr"/>
+        </a:solidFill>
+        <a:gradFill rotWithShape="1">
+          <a:gsLst>
+            <a:gs pos="0">
+              <a:schemeClr val="phClr">
+                <a:tint val="40000"/>
+                <a:satMod val="350000"/>
+              </a:schemeClr>
+            </a:gs>
+            <a:gs pos="40000">
+              <a:schemeClr val="phClr">
+                <a:tint val="45000"/>
+                <a:shade val="99000"/>
+                <a:satMod val="350000"/>
+              </a:schemeClr>
+            </a:gs>
+            <a:gs pos="100000">
+              <a:schemeClr val="phClr">
+                <a:shade val="20000"/>
+                <a:satMod val="255000"/>
+              </a:schemeClr>
+            </a:gs>
+          </a:gsLst>
+          <a:path path="circle">
+            <a:fillToRect l="50000" t="-80000" r="50000" b="180000"/>
+          </a:path>
+        </a:gradFill>
+        <a:gradFill rotWithShape="1">
+          <a:gsLst>
+            <a:gs pos="0">
+              <a:schemeClr val="phClr">
+                <a:tint val="80000"/>
+                <a:satMod val="300000"/>
+              </a:schemeClr>
+            </a:gs>
+            <a:gs pos="100000">
+              <a:schemeClr val="phClr">
+                <a:shade val="30000"/>
+                <a:satMod val="200000"/>
+              </a:schemeClr>
+            </a:gs>
+          </a:gsLst>
+          <a:path path="circle">
+            <a:fillToRect l="50000" t="50000" r="50000" b="50000"/>
+          </a:path>
+        </a:gradFill>
+      </a:bgFillStyleLst>
+    </a:fmtScheme>
+  </a:themeElements>
+</a:theme>
+</file>
+
+<file path=ppt/theme/theme2.xml><?xml version="1.0" encoding="utf-8"?>
 <a:theme xmlns:a="http://schemas.openxmlformats.org/drawingml/2006/main" xmlns:r="http://schemas.openxmlformats.org/officeDocument/2006/relationships">
   <a:themeElements>
     <a:clrScheme name="Default">
@@ -22856,283 +23061,4 @@
     </a:fmtScheme>
   </a:themeElements>
 </a:theme>
-</file>
-
-<file path=ppt/theme/theme2.xml><?xml version="1.0" encoding="utf-8"?>
-<a:theme xmlns:a="http://schemas.openxmlformats.org/drawingml/2006/main" xmlns:r="http://schemas.openxmlformats.org/officeDocument/2006/relationships" name="Simple Light">
-  <a:themeElements>
-    <a:clrScheme name="Simple Light">
-      <a:dk1>
-        <a:srgbClr val="000000"/>
-      </a:dk1>
-      <a:lt1>
-        <a:srgbClr val="FFFFFF"/>
-      </a:lt1>
-      <a:dk2>
-        <a:srgbClr val="595959"/>
-      </a:dk2>
-      <a:lt2>
-        <a:srgbClr val="EEEEEE"/>
-      </a:lt2>
-      <a:accent1>
-        <a:srgbClr val="4285F4"/>
-      </a:accent1>
-      <a:accent2>
-        <a:srgbClr val="212121"/>
-      </a:accent2>
-      <a:accent3>
-        <a:srgbClr val="78909C"/>
-      </a:accent3>
-      <a:accent4>
-        <a:srgbClr val="FFAB40"/>
-      </a:accent4>
-      <a:accent5>
-        <a:srgbClr val="0097A7"/>
-      </a:accent5>
-      <a:accent6>
-        <a:srgbClr val="EEFF41"/>
-      </a:accent6>
-      <a:hlink>
-        <a:srgbClr val="0097A7"/>
-      </a:hlink>
-      <a:folHlink>
-        <a:srgbClr val="0097A7"/>
-      </a:folHlink>
-    </a:clrScheme>
-    <a:fontScheme name="Office">
-      <a:majorFont>
-        <a:latin typeface="Arial"/>
-        <a:ea typeface=""/>
-        <a:cs typeface=""/>
-        <a:font script="Jpan" typeface="ＭＳ Ｐゴシック"/>
-        <a:font script="Hang" typeface="맑은 고딕"/>
-        <a:font script="Hans" typeface="宋体"/>
-        <a:font script="Hant" typeface="新細明體"/>
-        <a:font script="Arab" typeface="Times New Roman"/>
-        <a:font script="Hebr" typeface="Times New Roman"/>
-        <a:font script="Thai" typeface="Angsana New"/>
-        <a:font script="Ethi" typeface="Nyala"/>
-        <a:font script="Beng" typeface="Vrinda"/>
-        <a:font script="Gujr" typeface="Shruti"/>
-        <a:font script="Khmr" typeface="MoolBoran"/>
-        <a:font script="Knda" typeface="Tunga"/>
-        <a:font script="Guru" typeface="Raavi"/>
-        <a:font script="Cans" typeface="Euphemia"/>
-        <a:font script="Cher" typeface="Plantagenet Cherokee"/>
-        <a:font script="Yiii" typeface="Microsoft Yi Baiti"/>
-        <a:font script="Tibt" typeface="Microsoft Himalaya"/>
-        <a:font script="Thaa" typeface="MV Boli"/>
-        <a:font script="Deva" typeface="Mangal"/>
-        <a:font script="Telu" typeface="Gautami"/>
-        <a:font script="Taml" typeface="Latha"/>
-        <a:font script="Syrc" typeface="Estrangelo Edessa"/>
-        <a:font script="Orya" typeface="Kalinga"/>
-        <a:font script="Mlym" typeface="Kartika"/>
-        <a:font script="Laoo" typeface="DokChampa"/>
-        <a:font script="Sinh" typeface="Iskoola Pota"/>
-        <a:font script="Mong" typeface="Mongolian Baiti"/>
-        <a:font script="Viet" typeface="Times New Roman"/>
-        <a:font script="Uigh" typeface="Microsoft Uighur"/>
-        <a:font script="Geor" typeface="Sylfaen"/>
-      </a:majorFont>
-      <a:minorFont>
-        <a:latin typeface="Arial"/>
-        <a:ea typeface=""/>
-        <a:cs typeface=""/>
-        <a:font script="Jpan" typeface="ＭＳ Ｐゴシック"/>
-        <a:font script="Hang" typeface="맑은 고딕"/>
-        <a:font script="Hans" typeface="宋体"/>
-        <a:font script="Hant" typeface="新細明體"/>
-        <a:font script="Arab" typeface="Arial"/>
-        <a:font script="Hebr" typeface="Arial"/>
-        <a:font script="Thai" typeface="Cordia New"/>
-        <a:font script="Ethi" typeface="Nyala"/>
-        <a:font script="Beng" typeface="Vrinda"/>
-        <a:font script="Gujr" typeface="Shruti"/>
-        <a:font script="Khmr" typeface="DaunPenh"/>
-        <a:font script="Knda" typeface="Tunga"/>
-        <a:font script="Guru" typeface="Raavi"/>
-        <a:font script="Cans" typeface="Euphemia"/>
-        <a:font script="Cher" typeface="Plantagenet Cherokee"/>
-        <a:font script="Yiii" typeface="Microsoft Yi Baiti"/>
-        <a:font script="Tibt" typeface="Microsoft Himalaya"/>
-        <a:font script="Thaa" typeface="MV Boli"/>
-        <a:font script="Deva" typeface="Mangal"/>
-        <a:font script="Telu" typeface="Gautami"/>
-        <a:font script="Taml" typeface="Latha"/>
-        <a:font script="Syrc" typeface="Estrangelo Edessa"/>
-        <a:font script="Orya" typeface="Kalinga"/>
-        <a:font script="Mlym" typeface="Kartika"/>
-        <a:font script="Laoo" typeface="DokChampa"/>
-        <a:font script="Sinh" typeface="Iskoola Pota"/>
-        <a:font script="Mong" typeface="Mongolian Baiti"/>
-        <a:font script="Viet" typeface="Arial"/>
-        <a:font script="Uigh" typeface="Microsoft Uighur"/>
-        <a:font script="Geor" typeface="Sylfaen"/>
-      </a:minorFont>
-    </a:fontScheme>
-    <a:fmtScheme name="Office">
-      <a:fillStyleLst>
-        <a:solidFill>
-          <a:schemeClr val="phClr"/>
-        </a:solidFill>
-        <a:gradFill rotWithShape="1">
-          <a:gsLst>
-            <a:gs pos="0">
-              <a:schemeClr val="phClr">
-                <a:tint val="50000"/>
-                <a:satMod val="300000"/>
-              </a:schemeClr>
-            </a:gs>
-            <a:gs pos="35000">
-              <a:schemeClr val="phClr">
-                <a:tint val="37000"/>
-                <a:satMod val="300000"/>
-              </a:schemeClr>
-            </a:gs>
-            <a:gs pos="100000">
-              <a:schemeClr val="phClr">
-                <a:tint val="15000"/>
-                <a:satMod val="350000"/>
-              </a:schemeClr>
-            </a:gs>
-          </a:gsLst>
-          <a:lin ang="16200000" scaled="1"/>
-        </a:gradFill>
-        <a:gradFill rotWithShape="1">
-          <a:gsLst>
-            <a:gs pos="0">
-              <a:schemeClr val="phClr">
-                <a:tint val="100000"/>
-                <a:shade val="100000"/>
-                <a:satMod val="130000"/>
-              </a:schemeClr>
-            </a:gs>
-            <a:gs pos="100000">
-              <a:schemeClr val="phClr">
-                <a:tint val="50000"/>
-                <a:shade val="100000"/>
-                <a:satMod val="350000"/>
-              </a:schemeClr>
-            </a:gs>
-          </a:gsLst>
-          <a:lin ang="16200000" scaled="0"/>
-        </a:gradFill>
-      </a:fillStyleLst>
-      <a:lnStyleLst>
-        <a:ln w="9525" cap="flat" cmpd="sng" algn="ctr">
-          <a:solidFill>
-            <a:schemeClr val="phClr">
-              <a:shade val="95000"/>
-              <a:satMod val="105000"/>
-            </a:schemeClr>
-          </a:solidFill>
-          <a:prstDash val="solid"/>
-        </a:ln>
-        <a:ln w="25400" cap="flat" cmpd="sng" algn="ctr">
-          <a:solidFill>
-            <a:schemeClr val="phClr"/>
-          </a:solidFill>
-          <a:prstDash val="solid"/>
-        </a:ln>
-        <a:ln w="38100" cap="flat" cmpd="sng" algn="ctr">
-          <a:solidFill>
-            <a:schemeClr val="phClr"/>
-          </a:solidFill>
-          <a:prstDash val="solid"/>
-        </a:ln>
-      </a:lnStyleLst>
-      <a:effectStyleLst>
-        <a:effectStyle>
-          <a:effectLst>
-            <a:outerShdw blurRad="40000" dist="20000" dir="5400000" rotWithShape="0">
-              <a:srgbClr val="000000">
-                <a:alpha val="38000"/>
-              </a:srgbClr>
-            </a:outerShdw>
-          </a:effectLst>
-        </a:effectStyle>
-        <a:effectStyle>
-          <a:effectLst>
-            <a:outerShdw blurRad="40000" dist="23000" dir="5400000" rotWithShape="0">
-              <a:srgbClr val="000000">
-                <a:alpha val="35000"/>
-              </a:srgbClr>
-            </a:outerShdw>
-          </a:effectLst>
-        </a:effectStyle>
-        <a:effectStyle>
-          <a:effectLst>
-            <a:outerShdw blurRad="40000" dist="23000" dir="5400000" rotWithShape="0">
-              <a:srgbClr val="000000">
-                <a:alpha val="35000"/>
-              </a:srgbClr>
-            </a:outerShdw>
-          </a:effectLst>
-          <a:scene3d>
-            <a:camera prst="orthographicFront">
-              <a:rot lat="0" lon="0" rev="0"/>
-            </a:camera>
-            <a:lightRig rig="threePt" dir="t">
-              <a:rot lat="0" lon="0" rev="1200000"/>
-            </a:lightRig>
-          </a:scene3d>
-          <a:sp3d>
-            <a:bevelT w="63500" h="25400"/>
-          </a:sp3d>
-        </a:effectStyle>
-      </a:effectStyleLst>
-      <a:bgFillStyleLst>
-        <a:solidFill>
-          <a:schemeClr val="phClr"/>
-        </a:solidFill>
-        <a:gradFill rotWithShape="1">
-          <a:gsLst>
-            <a:gs pos="0">
-              <a:schemeClr val="phClr">
-                <a:tint val="40000"/>
-                <a:satMod val="350000"/>
-              </a:schemeClr>
-            </a:gs>
-            <a:gs pos="40000">
-              <a:schemeClr val="phClr">
-                <a:tint val="45000"/>
-                <a:shade val="99000"/>
-                <a:satMod val="350000"/>
-              </a:schemeClr>
-            </a:gs>
-            <a:gs pos="100000">
-              <a:schemeClr val="phClr">
-                <a:shade val="20000"/>
-                <a:satMod val="255000"/>
-              </a:schemeClr>
-            </a:gs>
-          </a:gsLst>
-          <a:path path="circle">
-            <a:fillToRect l="50000" t="-80000" r="50000" b="180000"/>
-          </a:path>
-        </a:gradFill>
-        <a:gradFill rotWithShape="1">
-          <a:gsLst>
-            <a:gs pos="0">
-              <a:schemeClr val="phClr">
-                <a:tint val="80000"/>
-                <a:satMod val="300000"/>
-              </a:schemeClr>
-            </a:gs>
-            <a:gs pos="100000">
-              <a:schemeClr val="phClr">
-                <a:shade val="30000"/>
-                <a:satMod val="200000"/>
-              </a:schemeClr>
-            </a:gs>
-          </a:gsLst>
-          <a:path path="circle">
-            <a:fillToRect l="50000" t="50000" r="50000" b="50000"/>
-          </a:path>
-        </a:gradFill>
-      </a:bgFillStyleLst>
-    </a:fmtScheme>
-  </a:themeElements>
-</a:theme>
 </file>